--- a/final stuff/Anusonti-Inthra_presentation_final.pptx
+++ b/final stuff/Anusonti-Inthra_presentation_final.pptx
@@ -4,8 +4,15 @@
   <p:sldMasterIdLst>
     <p:sldMasterId id="2147483648" r:id="rId1"/>
   </p:sldMasterIdLst>
+  <p:notesMasterIdLst>
+    <p:notesMasterId r:id="rId7"/>
+  </p:notesMasterIdLst>
   <p:sldIdLst>
     <p:sldId id="256" r:id="rId2"/>
+    <p:sldId id="257" r:id="rId3"/>
+    <p:sldId id="258" r:id="rId4"/>
+    <p:sldId id="259" r:id="rId5"/>
+    <p:sldId id="260" r:id="rId6"/>
   </p:sldIdLst>
   <p:sldSz cx="12192000" cy="6858000"/>
   <p:notesSz cx="6858000" cy="9144000"/>
@@ -105,6 +112,822 @@
     </a:lvl9pPr>
   </p:defaultTextStyle>
 </p:presentation>
+</file>
+
+<file path=ppt/notesMasters/notesMaster1.xml><?xml version="1.0" encoding="utf-8"?>
+<p:notesMaster xmlns:a="http://schemas.openxmlformats.org/drawingml/2006/main" xmlns:r="http://schemas.openxmlformats.org/officeDocument/2006/relationships" xmlns:p="http://schemas.openxmlformats.org/presentationml/2006/main">
+  <p:cSld>
+    <p:bg>
+      <p:bgRef idx="1001">
+        <a:schemeClr val="bg1"/>
+      </p:bgRef>
+    </p:bg>
+    <p:spTree>
+      <p:nvGrpSpPr>
+        <p:cNvPr id="1" name=""/>
+        <p:cNvGrpSpPr/>
+        <p:nvPr/>
+      </p:nvGrpSpPr>
+      <p:grpSpPr>
+        <a:xfrm>
+          <a:off x="0" y="0"/>
+          <a:ext cx="0" cy="0"/>
+          <a:chOff x="0" y="0"/>
+          <a:chExt cx="0" cy="0"/>
+        </a:xfrm>
+      </p:grpSpPr>
+      <p:sp>
+        <p:nvSpPr>
+          <p:cNvPr id="2" name="Header Placeholder 1"/>
+          <p:cNvSpPr>
+            <a:spLocks noGrp="1"/>
+          </p:cNvSpPr>
+          <p:nvPr>
+            <p:ph type="hdr" sz="quarter"/>
+          </p:nvPr>
+        </p:nvSpPr>
+        <p:spPr>
+          <a:xfrm>
+            <a:off x="0" y="0"/>
+            <a:ext cx="2971800" cy="458788"/>
+          </a:xfrm>
+          <a:prstGeom prst="rect">
+            <a:avLst/>
+          </a:prstGeom>
+        </p:spPr>
+        <p:txBody>
+          <a:bodyPr vert="horz" lIns="91440" tIns="45720" rIns="91440" bIns="45720" rtlCol="0"/>
+          <a:lstStyle>
+            <a:lvl1pPr algn="l">
+              <a:defRPr sz="1200"/>
+            </a:lvl1pPr>
+          </a:lstStyle>
+          <a:p>
+            <a:endParaRPr lang="en-US"/>
+          </a:p>
+        </p:txBody>
+      </p:sp>
+      <p:sp>
+        <p:nvSpPr>
+          <p:cNvPr id="3" name="Date Placeholder 2"/>
+          <p:cNvSpPr>
+            <a:spLocks noGrp="1"/>
+          </p:cNvSpPr>
+          <p:nvPr>
+            <p:ph type="dt" idx="1"/>
+          </p:nvPr>
+        </p:nvSpPr>
+        <p:spPr>
+          <a:xfrm>
+            <a:off x="3884613" y="0"/>
+            <a:ext cx="2971800" cy="458788"/>
+          </a:xfrm>
+          <a:prstGeom prst="rect">
+            <a:avLst/>
+          </a:prstGeom>
+        </p:spPr>
+        <p:txBody>
+          <a:bodyPr vert="horz" lIns="91440" tIns="45720" rIns="91440" bIns="45720" rtlCol="0"/>
+          <a:lstStyle>
+            <a:lvl1pPr algn="r">
+              <a:defRPr sz="1200"/>
+            </a:lvl1pPr>
+          </a:lstStyle>
+          <a:p>
+            <a:fld id="{54EA83CC-9080-4048-92C3-BA5318D98850}" type="datetimeFigureOut">
+              <a:rPr lang="en-US" smtClean="0"/>
+              <a:t>8/7/24</a:t>
+            </a:fld>
+            <a:endParaRPr lang="en-US"/>
+          </a:p>
+        </p:txBody>
+      </p:sp>
+      <p:sp>
+        <p:nvSpPr>
+          <p:cNvPr id="4" name="Slide Image Placeholder 3"/>
+          <p:cNvSpPr>
+            <a:spLocks noGrp="1" noRot="1" noChangeAspect="1"/>
+          </p:cNvSpPr>
+          <p:nvPr>
+            <p:ph type="sldImg" idx="2"/>
+          </p:nvPr>
+        </p:nvSpPr>
+        <p:spPr>
+          <a:xfrm>
+            <a:off x="685800" y="1143000"/>
+            <a:ext cx="5486400" cy="3086100"/>
+          </a:xfrm>
+          <a:prstGeom prst="rect">
+            <a:avLst/>
+          </a:prstGeom>
+          <a:noFill/>
+          <a:ln w="12700">
+            <a:solidFill>
+              <a:prstClr val="black"/>
+            </a:solidFill>
+          </a:ln>
+        </p:spPr>
+        <p:txBody>
+          <a:bodyPr vert="horz" lIns="91440" tIns="45720" rIns="91440" bIns="45720" rtlCol="0" anchor="ctr"/>
+          <a:lstStyle/>
+          <a:p>
+            <a:endParaRPr lang="en-US"/>
+          </a:p>
+        </p:txBody>
+      </p:sp>
+      <p:sp>
+        <p:nvSpPr>
+          <p:cNvPr id="5" name="Notes Placeholder 4"/>
+          <p:cNvSpPr>
+            <a:spLocks noGrp="1"/>
+          </p:cNvSpPr>
+          <p:nvPr>
+            <p:ph type="body" sz="quarter" idx="3"/>
+          </p:nvPr>
+        </p:nvSpPr>
+        <p:spPr>
+          <a:xfrm>
+            <a:off x="685800" y="4400550"/>
+            <a:ext cx="5486400" cy="3600450"/>
+          </a:xfrm>
+          <a:prstGeom prst="rect">
+            <a:avLst/>
+          </a:prstGeom>
+        </p:spPr>
+        <p:txBody>
+          <a:bodyPr vert="horz" lIns="91440" tIns="45720" rIns="91440" bIns="45720" rtlCol="0"/>
+          <a:lstStyle/>
+          <a:p>
+            <a:pPr lvl="0"/>
+            <a:r>
+              <a:rPr lang="en-US"/>
+              <a:t>Click to edit Master text styles</a:t>
+            </a:r>
+          </a:p>
+          <a:p>
+            <a:pPr lvl="1"/>
+            <a:r>
+              <a:rPr lang="en-US"/>
+              <a:t>Second level</a:t>
+            </a:r>
+          </a:p>
+          <a:p>
+            <a:pPr lvl="2"/>
+            <a:r>
+              <a:rPr lang="en-US"/>
+              <a:t>Third level</a:t>
+            </a:r>
+          </a:p>
+          <a:p>
+            <a:pPr lvl="3"/>
+            <a:r>
+              <a:rPr lang="en-US"/>
+              <a:t>Fourth level</a:t>
+            </a:r>
+          </a:p>
+          <a:p>
+            <a:pPr lvl="4"/>
+            <a:r>
+              <a:rPr lang="en-US"/>
+              <a:t>Fifth level</a:t>
+            </a:r>
+          </a:p>
+        </p:txBody>
+      </p:sp>
+      <p:sp>
+        <p:nvSpPr>
+          <p:cNvPr id="6" name="Footer Placeholder 5"/>
+          <p:cNvSpPr>
+            <a:spLocks noGrp="1"/>
+          </p:cNvSpPr>
+          <p:nvPr>
+            <p:ph type="ftr" sz="quarter" idx="4"/>
+          </p:nvPr>
+        </p:nvSpPr>
+        <p:spPr>
+          <a:xfrm>
+            <a:off x="0" y="8685213"/>
+            <a:ext cx="2971800" cy="458787"/>
+          </a:xfrm>
+          <a:prstGeom prst="rect">
+            <a:avLst/>
+          </a:prstGeom>
+        </p:spPr>
+        <p:txBody>
+          <a:bodyPr vert="horz" lIns="91440" tIns="45720" rIns="91440" bIns="45720" rtlCol="0" anchor="b"/>
+          <a:lstStyle>
+            <a:lvl1pPr algn="l">
+              <a:defRPr sz="1200"/>
+            </a:lvl1pPr>
+          </a:lstStyle>
+          <a:p>
+            <a:endParaRPr lang="en-US"/>
+          </a:p>
+        </p:txBody>
+      </p:sp>
+      <p:sp>
+        <p:nvSpPr>
+          <p:cNvPr id="7" name="Slide Number Placeholder 6"/>
+          <p:cNvSpPr>
+            <a:spLocks noGrp="1"/>
+          </p:cNvSpPr>
+          <p:nvPr>
+            <p:ph type="sldNum" sz="quarter" idx="5"/>
+          </p:nvPr>
+        </p:nvSpPr>
+        <p:spPr>
+          <a:xfrm>
+            <a:off x="3884613" y="8685213"/>
+            <a:ext cx="2971800" cy="458787"/>
+          </a:xfrm>
+          <a:prstGeom prst="rect">
+            <a:avLst/>
+          </a:prstGeom>
+        </p:spPr>
+        <p:txBody>
+          <a:bodyPr vert="horz" lIns="91440" tIns="45720" rIns="91440" bIns="45720" rtlCol="0" anchor="b"/>
+          <a:lstStyle>
+            <a:lvl1pPr algn="r">
+              <a:defRPr sz="1200"/>
+            </a:lvl1pPr>
+          </a:lstStyle>
+          <a:p>
+            <a:fld id="{E9707EC5-6543-3442-B968-D720AB3FDD9F}" type="slidenum">
+              <a:rPr lang="en-US" smtClean="0"/>
+              <a:t>‹#›</a:t>
+            </a:fld>
+            <a:endParaRPr lang="en-US"/>
+          </a:p>
+        </p:txBody>
+      </p:sp>
+    </p:spTree>
+    <p:extLst>
+      <p:ext uri="{BB962C8B-B14F-4D97-AF65-F5344CB8AC3E}">
+        <p14:creationId xmlns:p14="http://schemas.microsoft.com/office/powerpoint/2010/main" val="4111136995"/>
+      </p:ext>
+    </p:extLst>
+  </p:cSld>
+  <p:clrMap bg1="lt1" tx1="dk1" bg2="lt2" tx2="dk2" accent1="accent1" accent2="accent2" accent3="accent3" accent4="accent4" accent5="accent5" accent6="accent6" hlink="hlink" folHlink="folHlink"/>
+  <p:notesStyle>
+    <a:lvl1pPr marL="0" algn="l" defTabSz="914400" rtl="0" eaLnBrk="1" latinLnBrk="0" hangingPunct="1">
+      <a:defRPr sz="1200" kern="1200">
+        <a:solidFill>
+          <a:schemeClr val="tx1"/>
+        </a:solidFill>
+        <a:latin typeface="+mn-lt"/>
+        <a:ea typeface="+mn-ea"/>
+        <a:cs typeface="+mn-cs"/>
+      </a:defRPr>
+    </a:lvl1pPr>
+    <a:lvl2pPr marL="457200" algn="l" defTabSz="914400" rtl="0" eaLnBrk="1" latinLnBrk="0" hangingPunct="1">
+      <a:defRPr sz="1200" kern="1200">
+        <a:solidFill>
+          <a:schemeClr val="tx1"/>
+        </a:solidFill>
+        <a:latin typeface="+mn-lt"/>
+        <a:ea typeface="+mn-ea"/>
+        <a:cs typeface="+mn-cs"/>
+      </a:defRPr>
+    </a:lvl2pPr>
+    <a:lvl3pPr marL="914400" algn="l" defTabSz="914400" rtl="0" eaLnBrk="1" latinLnBrk="0" hangingPunct="1">
+      <a:defRPr sz="1200" kern="1200">
+        <a:solidFill>
+          <a:schemeClr val="tx1"/>
+        </a:solidFill>
+        <a:latin typeface="+mn-lt"/>
+        <a:ea typeface="+mn-ea"/>
+        <a:cs typeface="+mn-cs"/>
+      </a:defRPr>
+    </a:lvl3pPr>
+    <a:lvl4pPr marL="1371600" algn="l" defTabSz="914400" rtl="0" eaLnBrk="1" latinLnBrk="0" hangingPunct="1">
+      <a:defRPr sz="1200" kern="1200">
+        <a:solidFill>
+          <a:schemeClr val="tx1"/>
+        </a:solidFill>
+        <a:latin typeface="+mn-lt"/>
+        <a:ea typeface="+mn-ea"/>
+        <a:cs typeface="+mn-cs"/>
+      </a:defRPr>
+    </a:lvl4pPr>
+    <a:lvl5pPr marL="1828800" algn="l" defTabSz="914400" rtl="0" eaLnBrk="1" latinLnBrk="0" hangingPunct="1">
+      <a:defRPr sz="1200" kern="1200">
+        <a:solidFill>
+          <a:schemeClr val="tx1"/>
+        </a:solidFill>
+        <a:latin typeface="+mn-lt"/>
+        <a:ea typeface="+mn-ea"/>
+        <a:cs typeface="+mn-cs"/>
+      </a:defRPr>
+    </a:lvl5pPr>
+    <a:lvl6pPr marL="2286000" algn="l" defTabSz="914400" rtl="0" eaLnBrk="1" latinLnBrk="0" hangingPunct="1">
+      <a:defRPr sz="1200" kern="1200">
+        <a:solidFill>
+          <a:schemeClr val="tx1"/>
+        </a:solidFill>
+        <a:latin typeface="+mn-lt"/>
+        <a:ea typeface="+mn-ea"/>
+        <a:cs typeface="+mn-cs"/>
+      </a:defRPr>
+    </a:lvl6pPr>
+    <a:lvl7pPr marL="2743200" algn="l" defTabSz="914400" rtl="0" eaLnBrk="1" latinLnBrk="0" hangingPunct="1">
+      <a:defRPr sz="1200" kern="1200">
+        <a:solidFill>
+          <a:schemeClr val="tx1"/>
+        </a:solidFill>
+        <a:latin typeface="+mn-lt"/>
+        <a:ea typeface="+mn-ea"/>
+        <a:cs typeface="+mn-cs"/>
+      </a:defRPr>
+    </a:lvl7pPr>
+    <a:lvl8pPr marL="3200400" algn="l" defTabSz="914400" rtl="0" eaLnBrk="1" latinLnBrk="0" hangingPunct="1">
+      <a:defRPr sz="1200" kern="1200">
+        <a:solidFill>
+          <a:schemeClr val="tx1"/>
+        </a:solidFill>
+        <a:latin typeface="+mn-lt"/>
+        <a:ea typeface="+mn-ea"/>
+        <a:cs typeface="+mn-cs"/>
+      </a:defRPr>
+    </a:lvl8pPr>
+    <a:lvl9pPr marL="3657600" algn="l" defTabSz="914400" rtl="0" eaLnBrk="1" latinLnBrk="0" hangingPunct="1">
+      <a:defRPr sz="1200" kern="1200">
+        <a:solidFill>
+          <a:schemeClr val="tx1"/>
+        </a:solidFill>
+        <a:latin typeface="+mn-lt"/>
+        <a:ea typeface="+mn-ea"/>
+        <a:cs typeface="+mn-cs"/>
+      </a:defRPr>
+    </a:lvl9pPr>
+  </p:notesStyle>
+</p:notesMaster>
+</file>
+
+<file path=ppt/notesSlides/notesSlide1.xml><?xml version="1.0" encoding="utf-8"?>
+<p:notes xmlns:a="http://schemas.openxmlformats.org/drawingml/2006/main" xmlns:r="http://schemas.openxmlformats.org/officeDocument/2006/relationships" xmlns:p="http://schemas.openxmlformats.org/presentationml/2006/main">
+  <p:cSld>
+    <p:spTree>
+      <p:nvGrpSpPr>
+        <p:cNvPr id="1" name=""/>
+        <p:cNvGrpSpPr/>
+        <p:nvPr/>
+      </p:nvGrpSpPr>
+      <p:grpSpPr>
+        <a:xfrm>
+          <a:off x="0" y="0"/>
+          <a:ext cx="0" cy="0"/>
+          <a:chOff x="0" y="0"/>
+          <a:chExt cx="0" cy="0"/>
+        </a:xfrm>
+      </p:grpSpPr>
+      <p:sp>
+        <p:nvSpPr>
+          <p:cNvPr id="2" name="Slide Image Placeholder 1"/>
+          <p:cNvSpPr>
+            <a:spLocks noGrp="1" noRot="1" noChangeAspect="1"/>
+          </p:cNvSpPr>
+          <p:nvPr>
+            <p:ph type="sldImg"/>
+          </p:nvPr>
+        </p:nvSpPr>
+        <p:spPr/>
+      </p:sp>
+      <p:sp>
+        <p:nvSpPr>
+          <p:cNvPr id="3" name="Notes Placeholder 2"/>
+          <p:cNvSpPr>
+            <a:spLocks noGrp="1"/>
+          </p:cNvSpPr>
+          <p:nvPr>
+            <p:ph type="body" idx="1"/>
+          </p:nvPr>
+        </p:nvSpPr>
+        <p:spPr/>
+        <p:txBody>
+          <a:bodyPr/>
+          <a:lstStyle/>
+          <a:p>
+            <a:r>
+              <a:rPr lang="en-US" dirty="0"/>
+              <a:t>-very important mineral to study in the field of planetary science</a:t>
+            </a:r>
+          </a:p>
+          <a:p>
+            <a:r>
+              <a:rPr lang="en-US" dirty="0"/>
+              <a:t>-Earth’s upper mantle and expected to be in rocky exoplanets</a:t>
+            </a:r>
+          </a:p>
+          <a:p>
+            <a:r>
+              <a:rPr lang="en-US" dirty="0"/>
+              <a:t>-abundant in space: meteorites, comets, accretion disks around young stars</a:t>
+            </a:r>
+          </a:p>
+          <a:p>
+            <a:r>
+              <a:rPr lang="en-US" dirty="0"/>
+              <a:t>-phase changes drive deep earthquake generation</a:t>
+            </a:r>
+          </a:p>
+          <a:p>
+            <a:r>
+              <a:rPr lang="en-US" dirty="0"/>
+              <a:t>-but mostly: second bullet</a:t>
+            </a:r>
+          </a:p>
+          <a:p>
+            <a:r>
+              <a:rPr lang="en-US" dirty="0"/>
+              <a:t>-also affects the cooling of the early magma ocean stage of planet formation, which contributes to geochemistry and thermal evolution of a planet</a:t>
+            </a:r>
+          </a:p>
+          <a:p>
+            <a:r>
+              <a:rPr lang="en-US" dirty="0"/>
+              <a:t>-mainly, plays a role in creating and shaping convection currents -&gt; plate tectonics and magnetosphere -&gt; surface conditions suitable to support life</a:t>
+            </a:r>
+          </a:p>
+        </p:txBody>
+      </p:sp>
+      <p:sp>
+        <p:nvSpPr>
+          <p:cNvPr id="4" name="Slide Number Placeholder 3"/>
+          <p:cNvSpPr>
+            <a:spLocks noGrp="1"/>
+          </p:cNvSpPr>
+          <p:nvPr>
+            <p:ph type="sldNum" sz="quarter" idx="5"/>
+          </p:nvPr>
+        </p:nvSpPr>
+        <p:spPr/>
+        <p:txBody>
+          <a:bodyPr/>
+          <a:lstStyle/>
+          <a:p>
+            <a:fld id="{E9707EC5-6543-3442-B968-D720AB3FDD9F}" type="slidenum">
+              <a:rPr lang="en-US" smtClean="0"/>
+              <a:t>2</a:t>
+            </a:fld>
+            <a:endParaRPr lang="en-US"/>
+          </a:p>
+        </p:txBody>
+      </p:sp>
+    </p:spTree>
+    <p:extLst>
+      <p:ext uri="{BB962C8B-B14F-4D97-AF65-F5344CB8AC3E}">
+        <p14:creationId xmlns:p14="http://schemas.microsoft.com/office/powerpoint/2010/main" val="408405446"/>
+      </p:ext>
+    </p:extLst>
+  </p:cSld>
+  <p:clrMapOvr>
+    <a:masterClrMapping/>
+  </p:clrMapOvr>
+</p:notes>
+</file>
+
+<file path=ppt/notesSlides/notesSlide2.xml><?xml version="1.0" encoding="utf-8"?>
+<p:notes xmlns:a="http://schemas.openxmlformats.org/drawingml/2006/main" xmlns:r="http://schemas.openxmlformats.org/officeDocument/2006/relationships" xmlns:p="http://schemas.openxmlformats.org/presentationml/2006/main">
+  <p:cSld>
+    <p:spTree>
+      <p:nvGrpSpPr>
+        <p:cNvPr id="1" name=""/>
+        <p:cNvGrpSpPr/>
+        <p:nvPr/>
+      </p:nvGrpSpPr>
+      <p:grpSpPr>
+        <a:xfrm>
+          <a:off x="0" y="0"/>
+          <a:ext cx="0" cy="0"/>
+          <a:chOff x="0" y="0"/>
+          <a:chExt cx="0" cy="0"/>
+        </a:xfrm>
+      </p:grpSpPr>
+      <p:sp>
+        <p:nvSpPr>
+          <p:cNvPr id="2" name="Slide Image Placeholder 1"/>
+          <p:cNvSpPr>
+            <a:spLocks noGrp="1" noRot="1" noChangeAspect="1"/>
+          </p:cNvSpPr>
+          <p:nvPr>
+            <p:ph type="sldImg"/>
+          </p:nvPr>
+        </p:nvSpPr>
+        <p:spPr/>
+      </p:sp>
+      <p:sp>
+        <p:nvSpPr>
+          <p:cNvPr id="3" name="Notes Placeholder 2"/>
+          <p:cNvSpPr>
+            <a:spLocks noGrp="1"/>
+          </p:cNvSpPr>
+          <p:nvPr>
+            <p:ph type="body" idx="1"/>
+          </p:nvPr>
+        </p:nvSpPr>
+        <p:spPr/>
+        <p:txBody>
+          <a:bodyPr/>
+          <a:lstStyle/>
+          <a:p>
+            <a:r>
+              <a:rPr lang="en-US" dirty="0"/>
+              <a:t>-this is just one of the possible ways forsterite will behave</a:t>
+            </a:r>
+          </a:p>
+          <a:p>
+            <a:r>
+              <a:rPr lang="en-US" dirty="0"/>
+              <a:t>-we are looking for crystal MgO in our experiment</a:t>
+            </a:r>
+          </a:p>
+          <a:p>
+            <a:r>
+              <a:rPr lang="en-US" dirty="0"/>
+              <a:t>-</a:t>
+            </a:r>
+          </a:p>
+        </p:txBody>
+      </p:sp>
+      <p:sp>
+        <p:nvSpPr>
+          <p:cNvPr id="4" name="Slide Number Placeholder 3"/>
+          <p:cNvSpPr>
+            <a:spLocks noGrp="1"/>
+          </p:cNvSpPr>
+          <p:nvPr>
+            <p:ph type="sldNum" sz="quarter" idx="5"/>
+          </p:nvPr>
+        </p:nvSpPr>
+        <p:spPr/>
+        <p:txBody>
+          <a:bodyPr/>
+          <a:lstStyle/>
+          <a:p>
+            <a:fld id="{E9707EC5-6543-3442-B968-D720AB3FDD9F}" type="slidenum">
+              <a:rPr lang="en-US" smtClean="0"/>
+              <a:t>3</a:t>
+            </a:fld>
+            <a:endParaRPr lang="en-US"/>
+          </a:p>
+        </p:txBody>
+      </p:sp>
+    </p:spTree>
+    <p:extLst>
+      <p:ext uri="{BB962C8B-B14F-4D97-AF65-F5344CB8AC3E}">
+        <p14:creationId xmlns:p14="http://schemas.microsoft.com/office/powerpoint/2010/main" val="4190234817"/>
+      </p:ext>
+    </p:extLst>
+  </p:cSld>
+  <p:clrMapOvr>
+    <a:masterClrMapping/>
+  </p:clrMapOvr>
+</p:notes>
+</file>
+
+<file path=ppt/notesSlides/notesSlide3.xml><?xml version="1.0" encoding="utf-8"?>
+<p:notes xmlns:a="http://schemas.openxmlformats.org/drawingml/2006/main" xmlns:r="http://schemas.openxmlformats.org/officeDocument/2006/relationships" xmlns:p="http://schemas.openxmlformats.org/presentationml/2006/main">
+  <p:cSld>
+    <p:spTree>
+      <p:nvGrpSpPr>
+        <p:cNvPr id="1" name=""/>
+        <p:cNvGrpSpPr/>
+        <p:nvPr/>
+      </p:nvGrpSpPr>
+      <p:grpSpPr>
+        <a:xfrm>
+          <a:off x="0" y="0"/>
+          <a:ext cx="0" cy="0"/>
+          <a:chOff x="0" y="0"/>
+          <a:chExt cx="0" cy="0"/>
+        </a:xfrm>
+      </p:grpSpPr>
+      <p:sp>
+        <p:nvSpPr>
+          <p:cNvPr id="2" name="Slide Image Placeholder 1"/>
+          <p:cNvSpPr>
+            <a:spLocks noGrp="1" noRot="1" noChangeAspect="1"/>
+          </p:cNvSpPr>
+          <p:nvPr>
+            <p:ph type="sldImg"/>
+          </p:nvPr>
+        </p:nvSpPr>
+        <p:spPr/>
+      </p:sp>
+      <p:sp>
+        <p:nvSpPr>
+          <p:cNvPr id="3" name="Notes Placeholder 2"/>
+          <p:cNvSpPr>
+            <a:spLocks noGrp="1"/>
+          </p:cNvSpPr>
+          <p:nvPr>
+            <p:ph type="body" idx="1"/>
+          </p:nvPr>
+        </p:nvSpPr>
+        <p:spPr/>
+        <p:txBody>
+          <a:bodyPr/>
+          <a:lstStyle/>
+          <a:p>
+            <a:r>
+              <a:rPr lang="en-US" dirty="0"/>
+              <a:t>-</a:t>
+            </a:r>
+            <a:r>
+              <a:rPr lang="en-US" dirty="0" err="1"/>
+              <a:t>Sekine</a:t>
+            </a:r>
+            <a:r>
+              <a:rPr lang="en-US" dirty="0"/>
+              <a:t> measured the density for the </a:t>
+            </a:r>
+            <a:r>
+              <a:rPr lang="en-US" dirty="0" err="1"/>
+              <a:t>hugoniot</a:t>
+            </a:r>
+            <a:r>
+              <a:rPr lang="en-US" dirty="0"/>
+              <a:t>, and attributed slope changes to incongruent melting</a:t>
+            </a:r>
+          </a:p>
+          <a:p>
+            <a:r>
+              <a:rPr lang="en-US" dirty="0"/>
+              <a:t>-Root suggested that the pressure range found in </a:t>
+            </a:r>
+            <a:r>
+              <a:rPr lang="en-US" dirty="0" err="1"/>
+              <a:t>Sekine</a:t>
+            </a:r>
+            <a:r>
+              <a:rPr lang="en-US" dirty="0"/>
+              <a:t> is too high and suggested using X-ray diffraction</a:t>
+            </a:r>
+          </a:p>
+          <a:p>
+            <a:r>
+              <a:rPr lang="en-US" dirty="0"/>
+              <a:t>-X-ray diffraction is more accurate because it actually measures the crystal structure of the sample, which is more reliable than just a density measurement</a:t>
+            </a:r>
+          </a:p>
+          <a:p>
+            <a:r>
+              <a:rPr lang="en-US" dirty="0"/>
+              <a:t>-Newman’s dissertation used x-ray diffraction and found evidence at a lower pressure</a:t>
+            </a:r>
+          </a:p>
+          <a:p>
+            <a:r>
+              <a:rPr lang="en-US" dirty="0"/>
+              <a:t>-therefore this current </a:t>
+            </a:r>
+            <a:r>
+              <a:rPr lang="en-US" dirty="0" err="1"/>
+              <a:t>experiement</a:t>
+            </a:r>
+            <a:r>
+              <a:rPr lang="en-US" dirty="0"/>
+              <a:t> attempts to investigate this by using x-ray diffraction and conducting experiments at 150 and 260 </a:t>
+            </a:r>
+            <a:r>
+              <a:rPr lang="en-US" dirty="0" err="1"/>
+              <a:t>GPa</a:t>
+            </a:r>
+            <a:endParaRPr lang="en-US" dirty="0"/>
+          </a:p>
+        </p:txBody>
+      </p:sp>
+      <p:sp>
+        <p:nvSpPr>
+          <p:cNvPr id="4" name="Slide Number Placeholder 3"/>
+          <p:cNvSpPr>
+            <a:spLocks noGrp="1"/>
+          </p:cNvSpPr>
+          <p:nvPr>
+            <p:ph type="sldNum" sz="quarter" idx="5"/>
+          </p:nvPr>
+        </p:nvSpPr>
+        <p:spPr/>
+        <p:txBody>
+          <a:bodyPr/>
+          <a:lstStyle/>
+          <a:p>
+            <a:fld id="{E9707EC5-6543-3442-B968-D720AB3FDD9F}" type="slidenum">
+              <a:rPr lang="en-US" smtClean="0"/>
+              <a:t>4</a:t>
+            </a:fld>
+            <a:endParaRPr lang="en-US"/>
+          </a:p>
+        </p:txBody>
+      </p:sp>
+    </p:spTree>
+    <p:extLst>
+      <p:ext uri="{BB962C8B-B14F-4D97-AF65-F5344CB8AC3E}">
+        <p14:creationId xmlns:p14="http://schemas.microsoft.com/office/powerpoint/2010/main" val="477798797"/>
+      </p:ext>
+    </p:extLst>
+  </p:cSld>
+  <p:clrMapOvr>
+    <a:masterClrMapping/>
+  </p:clrMapOvr>
+</p:notes>
+</file>
+
+<file path=ppt/notesSlides/notesSlide4.xml><?xml version="1.0" encoding="utf-8"?>
+<p:notes xmlns:a="http://schemas.openxmlformats.org/drawingml/2006/main" xmlns:r="http://schemas.openxmlformats.org/officeDocument/2006/relationships" xmlns:p="http://schemas.openxmlformats.org/presentationml/2006/main">
+  <p:cSld>
+    <p:spTree>
+      <p:nvGrpSpPr>
+        <p:cNvPr id="1" name=""/>
+        <p:cNvGrpSpPr/>
+        <p:nvPr/>
+      </p:nvGrpSpPr>
+      <p:grpSpPr>
+        <a:xfrm>
+          <a:off x="0" y="0"/>
+          <a:ext cx="0" cy="0"/>
+          <a:chOff x="0" y="0"/>
+          <a:chExt cx="0" cy="0"/>
+        </a:xfrm>
+      </p:grpSpPr>
+      <p:sp>
+        <p:nvSpPr>
+          <p:cNvPr id="2" name="Slide Image Placeholder 1"/>
+          <p:cNvSpPr>
+            <a:spLocks noGrp="1" noRot="1" noChangeAspect="1"/>
+          </p:cNvSpPr>
+          <p:nvPr>
+            <p:ph type="sldImg"/>
+          </p:nvPr>
+        </p:nvSpPr>
+        <p:spPr/>
+      </p:sp>
+      <p:sp>
+        <p:nvSpPr>
+          <p:cNvPr id="3" name="Notes Placeholder 2"/>
+          <p:cNvSpPr>
+            <a:spLocks noGrp="1"/>
+          </p:cNvSpPr>
+          <p:nvPr>
+            <p:ph type="body" idx="1"/>
+          </p:nvPr>
+        </p:nvSpPr>
+        <p:spPr/>
+        <p:txBody>
+          <a:bodyPr/>
+          <a:lstStyle/>
+          <a:p>
+            <a:r>
+              <a:rPr lang="en-US" dirty="0"/>
+              <a:t>-the laser we use is the Omega-EP laser from the Laboratory for laser Energetics in Rochester</a:t>
+            </a:r>
+          </a:p>
+          <a:p>
+            <a:r>
+              <a:rPr lang="en-US" dirty="0"/>
+              <a:t>-window is used for VISAR shock wave velocity measurements (</a:t>
+            </a:r>
+            <a:r>
+              <a:rPr lang="en-US"/>
+              <a:t>not applicable now)</a:t>
+            </a:r>
+          </a:p>
+        </p:txBody>
+      </p:sp>
+      <p:sp>
+        <p:nvSpPr>
+          <p:cNvPr id="4" name="Slide Number Placeholder 3"/>
+          <p:cNvSpPr>
+            <a:spLocks noGrp="1"/>
+          </p:cNvSpPr>
+          <p:nvPr>
+            <p:ph type="sldNum" sz="quarter" idx="5"/>
+          </p:nvPr>
+        </p:nvSpPr>
+        <p:spPr/>
+        <p:txBody>
+          <a:bodyPr/>
+          <a:lstStyle/>
+          <a:p>
+            <a:fld id="{E9707EC5-6543-3442-B968-D720AB3FDD9F}" type="slidenum">
+              <a:rPr lang="en-US" smtClean="0"/>
+              <a:t>5</a:t>
+            </a:fld>
+            <a:endParaRPr lang="en-US"/>
+          </a:p>
+        </p:txBody>
+      </p:sp>
+    </p:spTree>
+    <p:extLst>
+      <p:ext uri="{BB962C8B-B14F-4D97-AF65-F5344CB8AC3E}">
+        <p14:creationId xmlns:p14="http://schemas.microsoft.com/office/powerpoint/2010/main" val="1860151401"/>
+      </p:ext>
+    </p:extLst>
+  </p:cSld>
+  <p:clrMapOvr>
+    <a:masterClrMapping/>
+  </p:clrMapOvr>
+</p:notes>
 </file>
 
 <file path=ppt/slideLayouts/slideLayout1.xml><?xml version="1.0" encoding="utf-8"?>
@@ -3342,7 +4165,10 @@
           <a:bodyPr/>
           <a:lstStyle/>
           <a:p>
-            <a:endParaRPr lang="en-US"/>
+            <a:r>
+              <a:rPr lang="en-US" dirty="0"/>
+              <a:t>Structure of forsterite at extreme conditions</a:t>
+            </a:r>
           </a:p>
         </p:txBody>
       </p:sp>
@@ -3375,6 +4201,621 @@
     <p:extLst>
       <p:ext uri="{BB962C8B-B14F-4D97-AF65-F5344CB8AC3E}">
         <p14:creationId xmlns:p14="http://schemas.microsoft.com/office/powerpoint/2010/main" val="4217743597"/>
+      </p:ext>
+    </p:extLst>
+  </p:cSld>
+  <p:clrMapOvr>
+    <a:masterClrMapping/>
+  </p:clrMapOvr>
+</p:sld>
+</file>
+
+<file path=ppt/slides/slide2.xml><?xml version="1.0" encoding="utf-8"?>
+<p:sld xmlns:a="http://schemas.openxmlformats.org/drawingml/2006/main" xmlns:r="http://schemas.openxmlformats.org/officeDocument/2006/relationships" xmlns:p="http://schemas.openxmlformats.org/presentationml/2006/main">
+  <p:cSld>
+    <p:spTree>
+      <p:nvGrpSpPr>
+        <p:cNvPr id="1" name=""/>
+        <p:cNvGrpSpPr/>
+        <p:nvPr/>
+      </p:nvGrpSpPr>
+      <p:grpSpPr>
+        <a:xfrm>
+          <a:off x="0" y="0"/>
+          <a:ext cx="0" cy="0"/>
+          <a:chOff x="0" y="0"/>
+          <a:chExt cx="0" cy="0"/>
+        </a:xfrm>
+      </p:grpSpPr>
+      <p:sp>
+        <p:nvSpPr>
+          <p:cNvPr id="2" name="Title 1">
+            <a:extLst>
+              <a:ext uri="{FF2B5EF4-FFF2-40B4-BE49-F238E27FC236}">
+                <a16:creationId xmlns:a16="http://schemas.microsoft.com/office/drawing/2014/main" id="{4796913D-E16E-744D-BB35-4F21317197A6}"/>
+              </a:ext>
+            </a:extLst>
+          </p:cNvPr>
+          <p:cNvSpPr>
+            <a:spLocks noGrp="1"/>
+          </p:cNvSpPr>
+          <p:nvPr>
+            <p:ph type="title"/>
+          </p:nvPr>
+        </p:nvSpPr>
+        <p:spPr/>
+        <p:txBody>
+          <a:bodyPr/>
+          <a:lstStyle/>
+          <a:p>
+            <a:r>
+              <a:rPr lang="en-US" dirty="0"/>
+              <a:t>Forsterite</a:t>
+            </a:r>
+          </a:p>
+        </p:txBody>
+      </p:sp>
+      <p:sp>
+        <p:nvSpPr>
+          <p:cNvPr id="3" name="Content Placeholder 2">
+            <a:extLst>
+              <a:ext uri="{FF2B5EF4-FFF2-40B4-BE49-F238E27FC236}">
+                <a16:creationId xmlns:a16="http://schemas.microsoft.com/office/drawing/2014/main" id="{D49F0B7C-D2F6-5D4A-A1C8-B47D2F62F50B}"/>
+              </a:ext>
+            </a:extLst>
+          </p:cNvPr>
+          <p:cNvSpPr>
+            <a:spLocks noGrp="1"/>
+          </p:cNvSpPr>
+          <p:nvPr>
+            <p:ph idx="1"/>
+          </p:nvPr>
+        </p:nvSpPr>
+        <p:spPr/>
+        <p:txBody>
+          <a:bodyPr/>
+          <a:lstStyle/>
+          <a:p>
+            <a:r>
+              <a:rPr lang="en-US" dirty="0"/>
+              <a:t>Main component of the mantles of rocky planets</a:t>
+            </a:r>
+          </a:p>
+          <a:p>
+            <a:r>
+              <a:rPr lang="en-US" dirty="0"/>
+              <a:t>Its phase transitions provide insight into the formation, evolution, and habitability of rocky exoplanets</a:t>
+            </a:r>
+          </a:p>
+          <a:p>
+            <a:r>
+              <a:rPr lang="en-US" dirty="0"/>
+              <a:t>Plays a role in creating and shaping convection currents, influencing factors essential to habitable surface conditions</a:t>
+            </a:r>
+          </a:p>
+          <a:p>
+            <a:endParaRPr lang="en-US" dirty="0"/>
+          </a:p>
+          <a:p>
+            <a:endParaRPr lang="en-US" dirty="0"/>
+          </a:p>
+          <a:p>
+            <a:endParaRPr lang="en-US" dirty="0"/>
+          </a:p>
+        </p:txBody>
+      </p:sp>
+    </p:spTree>
+    <p:extLst>
+      <p:ext uri="{BB962C8B-B14F-4D97-AF65-F5344CB8AC3E}">
+        <p14:creationId xmlns:p14="http://schemas.microsoft.com/office/powerpoint/2010/main" val="2599918334"/>
+      </p:ext>
+    </p:extLst>
+  </p:cSld>
+  <p:clrMapOvr>
+    <a:masterClrMapping/>
+  </p:clrMapOvr>
+</p:sld>
+</file>
+
+<file path=ppt/slides/slide3.xml><?xml version="1.0" encoding="utf-8"?>
+<p:sld xmlns:a="http://schemas.openxmlformats.org/drawingml/2006/main" xmlns:r="http://schemas.openxmlformats.org/officeDocument/2006/relationships" xmlns:p="http://schemas.openxmlformats.org/presentationml/2006/main">
+  <p:cSld>
+    <p:spTree>
+      <p:nvGrpSpPr>
+        <p:cNvPr id="1" name=""/>
+        <p:cNvGrpSpPr/>
+        <p:nvPr/>
+      </p:nvGrpSpPr>
+      <p:grpSpPr>
+        <a:xfrm>
+          <a:off x="0" y="0"/>
+          <a:ext cx="0" cy="0"/>
+          <a:chOff x="0" y="0"/>
+          <a:chExt cx="0" cy="0"/>
+        </a:xfrm>
+      </p:grpSpPr>
+      <p:sp>
+        <p:nvSpPr>
+          <p:cNvPr id="2" name="Title 1">
+            <a:extLst>
+              <a:ext uri="{FF2B5EF4-FFF2-40B4-BE49-F238E27FC236}">
+                <a16:creationId xmlns:a16="http://schemas.microsoft.com/office/drawing/2014/main" id="{E3F3D110-AF4D-E94A-8A59-AECBA16C2FC3}"/>
+              </a:ext>
+            </a:extLst>
+          </p:cNvPr>
+          <p:cNvSpPr>
+            <a:spLocks noGrp="1"/>
+          </p:cNvSpPr>
+          <p:nvPr>
+            <p:ph type="title"/>
+          </p:nvPr>
+        </p:nvSpPr>
+        <p:spPr/>
+        <p:txBody>
+          <a:bodyPr/>
+          <a:lstStyle/>
+          <a:p>
+            <a:r>
+              <a:rPr lang="en-US" dirty="0"/>
+              <a:t>Incongruent melting</a:t>
+            </a:r>
+          </a:p>
+        </p:txBody>
+      </p:sp>
+      <mc:AlternateContent xmlns:mc="http://schemas.openxmlformats.org/markup-compatibility/2006">
+        <mc:Choice xmlns:a14="http://schemas.microsoft.com/office/drawing/2010/main" Requires="a14">
+          <p:sp>
+            <p:nvSpPr>
+              <p:cNvPr id="3" name="Content Placeholder 2">
+                <a:extLst>
+                  <a:ext uri="{FF2B5EF4-FFF2-40B4-BE49-F238E27FC236}">
+                    <a16:creationId xmlns:a16="http://schemas.microsoft.com/office/drawing/2014/main" id="{85420E62-9F25-2D42-8FDE-2D29C854D242}"/>
+                  </a:ext>
+                </a:extLst>
+              </p:cNvPr>
+              <p:cNvSpPr>
+                <a:spLocks noGrp="1"/>
+              </p:cNvSpPr>
+              <p:nvPr>
+                <p:ph idx="1"/>
+              </p:nvPr>
+            </p:nvSpPr>
+            <p:spPr/>
+            <p:txBody>
+              <a:bodyPr/>
+              <a:lstStyle/>
+              <a:p>
+                <a:r>
+                  <a:rPr lang="en-US" dirty="0"/>
+                  <a:t>Forsterite is theorized to undergo a process called incongruent melting</a:t>
+                </a:r>
+              </a:p>
+              <a:p>
+                <a:r>
+                  <a:rPr lang="en-US" dirty="0"/>
+                  <a:t>Incongruent melting is when a substance melts into a chemically different liquid and solid</a:t>
+                </a:r>
+              </a:p>
+              <a:p>
+                <a14:m>
+                  <m:oMath xmlns:m="http://schemas.openxmlformats.org/officeDocument/2006/math">
+                    <m:sSub>
+                      <m:sSubPr>
+                        <m:ctrlPr>
+                          <a:rPr lang="en-US" i="1" smtClean="0">
+                            <a:latin typeface="Cambria Math" panose="02040503050406030204" pitchFamily="18" charset="0"/>
+                          </a:rPr>
+                        </m:ctrlPr>
+                      </m:sSubPr>
+                      <m:e>
+                        <m:r>
+                          <a:rPr lang="en-US" b="0" i="1" smtClean="0">
+                            <a:latin typeface="Cambria Math" panose="02040503050406030204" pitchFamily="18" charset="0"/>
+                          </a:rPr>
+                          <m:t>𝑀𝑔</m:t>
+                        </m:r>
+                      </m:e>
+                      <m:sub>
+                        <m:r>
+                          <a:rPr lang="en-US" b="0" i="1" smtClean="0">
+                            <a:latin typeface="Cambria Math" panose="02040503050406030204" pitchFamily="18" charset="0"/>
+                          </a:rPr>
+                          <m:t>2</m:t>
+                        </m:r>
+                      </m:sub>
+                    </m:sSub>
+                    <m:r>
+                      <a:rPr lang="en-US" b="0" i="1" smtClean="0">
+                        <a:latin typeface="Cambria Math" panose="02040503050406030204" pitchFamily="18" charset="0"/>
+                      </a:rPr>
+                      <m:t>𝑆𝑖</m:t>
+                    </m:r>
+                    <m:sSub>
+                      <m:sSubPr>
+                        <m:ctrlPr>
+                          <a:rPr lang="en-US" b="0" i="1" smtClean="0">
+                            <a:latin typeface="Cambria Math" panose="02040503050406030204" pitchFamily="18" charset="0"/>
+                          </a:rPr>
+                        </m:ctrlPr>
+                      </m:sSubPr>
+                      <m:e>
+                        <m:r>
+                          <a:rPr lang="en-US" b="0" i="1" smtClean="0">
+                            <a:latin typeface="Cambria Math" panose="02040503050406030204" pitchFamily="18" charset="0"/>
+                          </a:rPr>
+                          <m:t>𝑂</m:t>
+                        </m:r>
+                      </m:e>
+                      <m:sub>
+                        <m:r>
+                          <a:rPr lang="en-US" b="0" i="1" smtClean="0">
+                            <a:latin typeface="Cambria Math" panose="02040503050406030204" pitchFamily="18" charset="0"/>
+                          </a:rPr>
+                          <m:t>4</m:t>
+                        </m:r>
+                      </m:sub>
+                    </m:sSub>
+                  </m:oMath>
+                </a14:m>
+                <a:r>
+                  <a:rPr lang="en-US" dirty="0"/>
+                  <a:t> (forsterite, solid) </a:t>
+                </a:r>
+                <a14:m>
+                  <m:oMath xmlns:m="http://schemas.openxmlformats.org/officeDocument/2006/math">
+                    <m:r>
+                      <a:rPr lang="en-US" i="1" smtClean="0">
+                        <a:latin typeface="Cambria Math" panose="02040503050406030204" pitchFamily="18" charset="0"/>
+                        <a:ea typeface="Cambria Math" panose="02040503050406030204" pitchFamily="18" charset="0"/>
+                      </a:rPr>
+                      <m:t>→</m:t>
+                    </m:r>
+                    <m:r>
+                      <a:rPr lang="en-US" b="0" i="1" smtClean="0">
+                        <a:latin typeface="Cambria Math" panose="02040503050406030204" pitchFamily="18" charset="0"/>
+                        <a:ea typeface="Cambria Math" panose="02040503050406030204" pitchFamily="18" charset="0"/>
+                      </a:rPr>
+                      <m:t>𝑀𝑔𝑆𝑖</m:t>
+                    </m:r>
+                    <m:sSub>
+                      <m:sSubPr>
+                        <m:ctrlPr>
+                          <a:rPr lang="en-US" b="0" i="1" smtClean="0">
+                            <a:latin typeface="Cambria Math" panose="02040503050406030204" pitchFamily="18" charset="0"/>
+                            <a:ea typeface="Cambria Math" panose="02040503050406030204" pitchFamily="18" charset="0"/>
+                          </a:rPr>
+                        </m:ctrlPr>
+                      </m:sSubPr>
+                      <m:e>
+                        <m:r>
+                          <a:rPr lang="en-US" b="0" i="1" smtClean="0">
+                            <a:latin typeface="Cambria Math" panose="02040503050406030204" pitchFamily="18" charset="0"/>
+                            <a:ea typeface="Cambria Math" panose="02040503050406030204" pitchFamily="18" charset="0"/>
+                          </a:rPr>
+                          <m:t>𝑂</m:t>
+                        </m:r>
+                      </m:e>
+                      <m:sub>
+                        <m:r>
+                          <a:rPr lang="en-US" b="0" i="1" smtClean="0">
+                            <a:latin typeface="Cambria Math" panose="02040503050406030204" pitchFamily="18" charset="0"/>
+                            <a:ea typeface="Cambria Math" panose="02040503050406030204" pitchFamily="18" charset="0"/>
+                          </a:rPr>
+                          <m:t>3</m:t>
+                        </m:r>
+                      </m:sub>
+                    </m:sSub>
+                  </m:oMath>
+                </a14:m>
+                <a:r>
+                  <a:rPr lang="en-US" dirty="0"/>
+                  <a:t> (liquid) + </a:t>
+                </a:r>
+                <a14:m>
+                  <m:oMath xmlns:m="http://schemas.openxmlformats.org/officeDocument/2006/math">
+                    <m:r>
+                      <a:rPr lang="en-US" b="0" i="1" smtClean="0">
+                        <a:latin typeface="Cambria Math" panose="02040503050406030204" pitchFamily="18" charset="0"/>
+                        <a:ea typeface="Cambria Math" panose="02040503050406030204" pitchFamily="18" charset="0"/>
+                      </a:rPr>
+                      <m:t>𝑀𝑔𝑂</m:t>
+                    </m:r>
+                  </m:oMath>
+                </a14:m>
+                <a:r>
+                  <a:rPr lang="en-US" dirty="0"/>
+                  <a:t> (solid)</a:t>
+                </a:r>
+              </a:p>
+            </p:txBody>
+          </p:sp>
+        </mc:Choice>
+        <mc:Fallback>
+          <p:sp>
+            <p:nvSpPr>
+              <p:cNvPr id="3" name="Content Placeholder 2">
+                <a:extLst>
+                  <a:ext uri="{FF2B5EF4-FFF2-40B4-BE49-F238E27FC236}">
+                    <a16:creationId xmlns:a16="http://schemas.microsoft.com/office/drawing/2014/main" id="{85420E62-9F25-2D42-8FDE-2D29C854D242}"/>
+                  </a:ext>
+                </a:extLst>
+              </p:cNvPr>
+              <p:cNvSpPr>
+                <a:spLocks noGrp="1" noRot="1" noChangeAspect="1" noMove="1" noResize="1" noEditPoints="1" noAdjustHandles="1" noChangeArrowheads="1" noChangeShapeType="1" noTextEdit="1"/>
+              </p:cNvSpPr>
+              <p:nvPr>
+                <p:ph idx="1"/>
+              </p:nvPr>
+            </p:nvSpPr>
+            <p:spPr>
+              <a:blipFill>
+                <a:blip r:embed="rId3"/>
+                <a:stretch>
+                  <a:fillRect l="-1086" t="-2326"/>
+                </a:stretch>
+              </a:blipFill>
+            </p:spPr>
+            <p:txBody>
+              <a:bodyPr/>
+              <a:lstStyle/>
+              <a:p>
+                <a:r>
+                  <a:rPr lang="en-US">
+                    <a:noFill/>
+                  </a:rPr>
+                  <a:t> </a:t>
+                </a:r>
+              </a:p>
+            </p:txBody>
+          </p:sp>
+        </mc:Fallback>
+      </mc:AlternateContent>
+    </p:spTree>
+    <p:extLst>
+      <p:ext uri="{BB962C8B-B14F-4D97-AF65-F5344CB8AC3E}">
+        <p14:creationId xmlns:p14="http://schemas.microsoft.com/office/powerpoint/2010/main" val="1637709254"/>
+      </p:ext>
+    </p:extLst>
+  </p:cSld>
+  <p:clrMapOvr>
+    <a:masterClrMapping/>
+  </p:clrMapOvr>
+</p:sld>
+</file>
+
+<file path=ppt/slides/slide4.xml><?xml version="1.0" encoding="utf-8"?>
+<p:sld xmlns:a="http://schemas.openxmlformats.org/drawingml/2006/main" xmlns:r="http://schemas.openxmlformats.org/officeDocument/2006/relationships" xmlns:p="http://schemas.openxmlformats.org/presentationml/2006/main">
+  <p:cSld>
+    <p:spTree>
+      <p:nvGrpSpPr>
+        <p:cNvPr id="1" name=""/>
+        <p:cNvGrpSpPr/>
+        <p:nvPr/>
+      </p:nvGrpSpPr>
+      <p:grpSpPr>
+        <a:xfrm>
+          <a:off x="0" y="0"/>
+          <a:ext cx="0" cy="0"/>
+          <a:chOff x="0" y="0"/>
+          <a:chExt cx="0" cy="0"/>
+        </a:xfrm>
+      </p:grpSpPr>
+      <p:sp>
+        <p:nvSpPr>
+          <p:cNvPr id="2" name="Title 1">
+            <a:extLst>
+              <a:ext uri="{FF2B5EF4-FFF2-40B4-BE49-F238E27FC236}">
+                <a16:creationId xmlns:a16="http://schemas.microsoft.com/office/drawing/2014/main" id="{95641E6A-323E-2A45-B075-A9809EDDB7B9}"/>
+              </a:ext>
+            </a:extLst>
+          </p:cNvPr>
+          <p:cNvSpPr>
+            <a:spLocks noGrp="1"/>
+          </p:cNvSpPr>
+          <p:nvPr>
+            <p:ph type="title"/>
+          </p:nvPr>
+        </p:nvSpPr>
+        <p:spPr/>
+        <p:txBody>
+          <a:bodyPr/>
+          <a:lstStyle/>
+          <a:p>
+            <a:r>
+              <a:rPr lang="en-US" dirty="0"/>
+              <a:t>Previous studies</a:t>
+            </a:r>
+          </a:p>
+        </p:txBody>
+      </p:sp>
+      <p:sp>
+        <p:nvSpPr>
+          <p:cNvPr id="3" name="Content Placeholder 2">
+            <a:extLst>
+              <a:ext uri="{FF2B5EF4-FFF2-40B4-BE49-F238E27FC236}">
+                <a16:creationId xmlns:a16="http://schemas.microsoft.com/office/drawing/2014/main" id="{F8B66841-6415-854A-80EA-C85B8D23B863}"/>
+              </a:ext>
+            </a:extLst>
+          </p:cNvPr>
+          <p:cNvSpPr>
+            <a:spLocks noGrp="1"/>
+          </p:cNvSpPr>
+          <p:nvPr>
+            <p:ph idx="1"/>
+          </p:nvPr>
+        </p:nvSpPr>
+        <p:spPr/>
+        <p:txBody>
+          <a:bodyPr>
+            <a:normAutofit/>
+          </a:bodyPr>
+          <a:lstStyle/>
+          <a:p>
+            <a:r>
+              <a:rPr lang="en-US" dirty="0"/>
+              <a:t>Evidence supporting incongruent melting has been found in only two studies, but when it occurs is currently inconclusive</a:t>
+            </a:r>
+          </a:p>
+          <a:p>
+            <a:r>
+              <a:rPr lang="en-US" dirty="0" err="1"/>
+              <a:t>Sekine</a:t>
+            </a:r>
+            <a:r>
+              <a:rPr lang="en-US" dirty="0"/>
+              <a:t> et al. (2016) – found slope changes in the </a:t>
+            </a:r>
+            <a:r>
+              <a:rPr lang="en-US" dirty="0" err="1"/>
+              <a:t>hugoniot</a:t>
+            </a:r>
+            <a:r>
+              <a:rPr lang="en-US" dirty="0"/>
+              <a:t> (pressure v density) attributed to incongruent melting at 271 to 285 </a:t>
+            </a:r>
+            <a:r>
+              <a:rPr lang="en-US" dirty="0" err="1"/>
+              <a:t>GPa</a:t>
+            </a:r>
+            <a:endParaRPr lang="en-US" dirty="0"/>
+          </a:p>
+          <a:p>
+            <a:r>
+              <a:rPr lang="en-US" dirty="0"/>
+              <a:t>Root (2018) – attempted to replicated </a:t>
+            </a:r>
+            <a:r>
+              <a:rPr lang="en-US" dirty="0" err="1"/>
+              <a:t>Sekine</a:t>
+            </a:r>
+            <a:r>
+              <a:rPr lang="en-US" dirty="0"/>
+              <a:t> et al. but did not get the same results</a:t>
+            </a:r>
+          </a:p>
+          <a:p>
+            <a:r>
+              <a:rPr lang="en-US" dirty="0"/>
+              <a:t>Newman (2018) – used X-ray diffraction and found evidence for incongruent melting at 150 to 195 </a:t>
+            </a:r>
+            <a:r>
+              <a:rPr lang="en-US" dirty="0" err="1"/>
+              <a:t>GPa</a:t>
+            </a:r>
+            <a:endParaRPr lang="en-US" dirty="0"/>
+          </a:p>
+        </p:txBody>
+      </p:sp>
+    </p:spTree>
+    <p:extLst>
+      <p:ext uri="{BB962C8B-B14F-4D97-AF65-F5344CB8AC3E}">
+        <p14:creationId xmlns:p14="http://schemas.microsoft.com/office/powerpoint/2010/main" val="3895738261"/>
+      </p:ext>
+    </p:extLst>
+  </p:cSld>
+  <p:clrMapOvr>
+    <a:masterClrMapping/>
+  </p:clrMapOvr>
+</p:sld>
+</file>
+
+<file path=ppt/slides/slide5.xml><?xml version="1.0" encoding="utf-8"?>
+<p:sld xmlns:a="http://schemas.openxmlformats.org/drawingml/2006/main" xmlns:r="http://schemas.openxmlformats.org/officeDocument/2006/relationships" xmlns:p="http://schemas.openxmlformats.org/presentationml/2006/main">
+  <p:cSld>
+    <p:spTree>
+      <p:nvGrpSpPr>
+        <p:cNvPr id="1" name=""/>
+        <p:cNvGrpSpPr/>
+        <p:nvPr/>
+      </p:nvGrpSpPr>
+      <p:grpSpPr>
+        <a:xfrm>
+          <a:off x="0" y="0"/>
+          <a:ext cx="0" cy="0"/>
+          <a:chOff x="0" y="0"/>
+          <a:chExt cx="0" cy="0"/>
+        </a:xfrm>
+      </p:grpSpPr>
+      <p:sp>
+        <p:nvSpPr>
+          <p:cNvPr id="2" name="Title 1">
+            <a:extLst>
+              <a:ext uri="{FF2B5EF4-FFF2-40B4-BE49-F238E27FC236}">
+                <a16:creationId xmlns:a16="http://schemas.microsoft.com/office/drawing/2014/main" id="{45A3F4B3-D450-A14D-9D89-3A2EE87F0AE1}"/>
+              </a:ext>
+            </a:extLst>
+          </p:cNvPr>
+          <p:cNvSpPr>
+            <a:spLocks noGrp="1"/>
+          </p:cNvSpPr>
+          <p:nvPr>
+            <p:ph type="title"/>
+          </p:nvPr>
+        </p:nvSpPr>
+        <p:spPr/>
+        <p:txBody>
+          <a:bodyPr/>
+          <a:lstStyle/>
+          <a:p>
+            <a:endParaRPr lang="en-US"/>
+          </a:p>
+        </p:txBody>
+      </p:sp>
+      <p:sp>
+        <p:nvSpPr>
+          <p:cNvPr id="3" name="Content Placeholder 2">
+            <a:extLst>
+              <a:ext uri="{FF2B5EF4-FFF2-40B4-BE49-F238E27FC236}">
+                <a16:creationId xmlns:a16="http://schemas.microsoft.com/office/drawing/2014/main" id="{1328C04C-8AD0-D341-B71A-E409AD3A6688}"/>
+              </a:ext>
+            </a:extLst>
+          </p:cNvPr>
+          <p:cNvSpPr>
+            <a:spLocks noGrp="1"/>
+          </p:cNvSpPr>
+          <p:nvPr>
+            <p:ph idx="1"/>
+          </p:nvPr>
+        </p:nvSpPr>
+        <p:spPr/>
+        <p:txBody>
+          <a:bodyPr/>
+          <a:lstStyle/>
+          <a:p>
+            <a:r>
+              <a:rPr lang="en-US" dirty="0"/>
+              <a:t>The extreme pressures needed for this experiment are generated using laser produced shock waves</a:t>
+            </a:r>
+          </a:p>
+          <a:p>
+            <a:r>
+              <a:rPr lang="en-US" dirty="0">
+                <a:effectLst/>
+              </a:rPr>
+              <a:t>The sample consisted of a 150 𝜇𝑚 thick Kapton ablator, 130 𝜇𝑚 of powdered forsterite, and 100 𝜇𝑚 of window material (</a:t>
+            </a:r>
+            <a:r>
+              <a:rPr lang="en-US" dirty="0" err="1">
+                <a:effectLst/>
+              </a:rPr>
+              <a:t>LiF</a:t>
+            </a:r>
+            <a:r>
+              <a:rPr lang="en-US" dirty="0">
+                <a:effectLst/>
+              </a:rPr>
+              <a:t>) </a:t>
+            </a:r>
+          </a:p>
+          <a:p>
+            <a:endParaRPr lang="en-US" dirty="0"/>
+          </a:p>
+        </p:txBody>
+      </p:sp>
+    </p:spTree>
+    <p:extLst>
+      <p:ext uri="{BB962C8B-B14F-4D97-AF65-F5344CB8AC3E}">
+        <p14:creationId xmlns:p14="http://schemas.microsoft.com/office/powerpoint/2010/main" val="1633006281"/>
       </p:ext>
     </p:extLst>
   </p:cSld>
@@ -3677,4 +5118,299 @@
     </a:ext>
   </a:extLst>
 </a:theme>
+</file>
+
+<file path=ppt/theme/theme2.xml><?xml version="1.0" encoding="utf-8"?>
+<a:theme xmlns:a="http://schemas.openxmlformats.org/drawingml/2006/main" name="Office Theme">
+  <a:themeElements>
+    <a:clrScheme name="Office">
+      <a:dk1>
+        <a:sysClr val="windowText" lastClr="000000"/>
+      </a:dk1>
+      <a:lt1>
+        <a:sysClr val="window" lastClr="FFFFFF"/>
+      </a:lt1>
+      <a:dk2>
+        <a:srgbClr val="44546A"/>
+      </a:dk2>
+      <a:lt2>
+        <a:srgbClr val="E7E6E6"/>
+      </a:lt2>
+      <a:accent1>
+        <a:srgbClr val="4472C4"/>
+      </a:accent1>
+      <a:accent2>
+        <a:srgbClr val="ED7D31"/>
+      </a:accent2>
+      <a:accent3>
+        <a:srgbClr val="A5A5A5"/>
+      </a:accent3>
+      <a:accent4>
+        <a:srgbClr val="FFC000"/>
+      </a:accent4>
+      <a:accent5>
+        <a:srgbClr val="5B9BD5"/>
+      </a:accent5>
+      <a:accent6>
+        <a:srgbClr val="70AD47"/>
+      </a:accent6>
+      <a:hlink>
+        <a:srgbClr val="0563C1"/>
+      </a:hlink>
+      <a:folHlink>
+        <a:srgbClr val="954F72"/>
+      </a:folHlink>
+    </a:clrScheme>
+    <a:fontScheme name="Office">
+      <a:majorFont>
+        <a:latin typeface="Calibri Light" panose="020F0302020204030204"/>
+        <a:ea typeface=""/>
+        <a:cs typeface=""/>
+        <a:font script="Jpan" typeface="游ゴシック Light"/>
+        <a:font script="Hang" typeface="맑은 고딕"/>
+        <a:font script="Hans" typeface="等线 Light"/>
+        <a:font script="Hant" typeface="新細明體"/>
+        <a:font script="Arab" typeface="Times New Roman"/>
+        <a:font script="Hebr" typeface="Times New Roman"/>
+        <a:font script="Thai" typeface="Angsana New"/>
+        <a:font script="Ethi" typeface="Nyala"/>
+        <a:font script="Beng" typeface="Vrinda"/>
+        <a:font script="Gujr" typeface="Shruti"/>
+        <a:font script="Khmr" typeface="MoolBoran"/>
+        <a:font script="Knda" typeface="Tunga"/>
+        <a:font script="Guru" typeface="Raavi"/>
+        <a:font script="Cans" typeface="Euphemia"/>
+        <a:font script="Cher" typeface="Plantagenet Cherokee"/>
+        <a:font script="Yiii" typeface="Microsoft Yi Baiti"/>
+        <a:font script="Tibt" typeface="Microsoft Himalaya"/>
+        <a:font script="Thaa" typeface="MV Boli"/>
+        <a:font script="Deva" typeface="Mangal"/>
+        <a:font script="Telu" typeface="Gautami"/>
+        <a:font script="Taml" typeface="Latha"/>
+        <a:font script="Syrc" typeface="Estrangelo Edessa"/>
+        <a:font script="Orya" typeface="Kalinga"/>
+        <a:font script="Mlym" typeface="Kartika"/>
+        <a:font script="Laoo" typeface="DokChampa"/>
+        <a:font script="Sinh" typeface="Iskoola Pota"/>
+        <a:font script="Mong" typeface="Mongolian Baiti"/>
+        <a:font script="Viet" typeface="Times New Roman"/>
+        <a:font script="Uigh" typeface="Microsoft Uighur"/>
+        <a:font script="Geor" typeface="Sylfaen"/>
+        <a:font script="Armn" typeface="Arial"/>
+        <a:font script="Bugi" typeface="Leelawadee UI"/>
+        <a:font script="Bopo" typeface="Microsoft JhengHei"/>
+        <a:font script="Java" typeface="Javanese Text"/>
+        <a:font script="Lisu" typeface="Segoe UI"/>
+        <a:font script="Mymr" typeface="Myanmar Text"/>
+        <a:font script="Nkoo" typeface="Ebrima"/>
+        <a:font script="Olck" typeface="Nirmala UI"/>
+        <a:font script="Osma" typeface="Ebrima"/>
+        <a:font script="Phag" typeface="Phagspa"/>
+        <a:font script="Syrn" typeface="Estrangelo Edessa"/>
+        <a:font script="Syrj" typeface="Estrangelo Edessa"/>
+        <a:font script="Syre" typeface="Estrangelo Edessa"/>
+        <a:font script="Sora" typeface="Nirmala UI"/>
+        <a:font script="Tale" typeface="Microsoft Tai Le"/>
+        <a:font script="Talu" typeface="Microsoft New Tai Lue"/>
+        <a:font script="Tfng" typeface="Ebrima"/>
+      </a:majorFont>
+      <a:minorFont>
+        <a:latin typeface="Calibri" panose="020F0502020204030204"/>
+        <a:ea typeface=""/>
+        <a:cs typeface=""/>
+        <a:font script="Jpan" typeface="游ゴシック"/>
+        <a:font script="Hang" typeface="맑은 고딕"/>
+        <a:font script="Hans" typeface="等线"/>
+        <a:font script="Hant" typeface="新細明體"/>
+        <a:font script="Arab" typeface="Arial"/>
+        <a:font script="Hebr" typeface="Arial"/>
+        <a:font script="Thai" typeface="Cordia New"/>
+        <a:font script="Ethi" typeface="Nyala"/>
+        <a:font script="Beng" typeface="Vrinda"/>
+        <a:font script="Gujr" typeface="Shruti"/>
+        <a:font script="Khmr" typeface="DaunPenh"/>
+        <a:font script="Knda" typeface="Tunga"/>
+        <a:font script="Guru" typeface="Raavi"/>
+        <a:font script="Cans" typeface="Euphemia"/>
+        <a:font script="Cher" typeface="Plantagenet Cherokee"/>
+        <a:font script="Yiii" typeface="Microsoft Yi Baiti"/>
+        <a:font script="Tibt" typeface="Microsoft Himalaya"/>
+        <a:font script="Thaa" typeface="MV Boli"/>
+        <a:font script="Deva" typeface="Mangal"/>
+        <a:font script="Telu" typeface="Gautami"/>
+        <a:font script="Taml" typeface="Latha"/>
+        <a:font script="Syrc" typeface="Estrangelo Edessa"/>
+        <a:font script="Orya" typeface="Kalinga"/>
+        <a:font script="Mlym" typeface="Kartika"/>
+        <a:font script="Laoo" typeface="DokChampa"/>
+        <a:font script="Sinh" typeface="Iskoola Pota"/>
+        <a:font script="Mong" typeface="Mongolian Baiti"/>
+        <a:font script="Viet" typeface="Arial"/>
+        <a:font script="Uigh" typeface="Microsoft Uighur"/>
+        <a:font script="Geor" typeface="Sylfaen"/>
+        <a:font script="Armn" typeface="Arial"/>
+        <a:font script="Bugi" typeface="Leelawadee UI"/>
+        <a:font script="Bopo" typeface="Microsoft JhengHei"/>
+        <a:font script="Java" typeface="Javanese Text"/>
+        <a:font script="Lisu" typeface="Segoe UI"/>
+        <a:font script="Mymr" typeface="Myanmar Text"/>
+        <a:font script="Nkoo" typeface="Ebrima"/>
+        <a:font script="Olck" typeface="Nirmala UI"/>
+        <a:font script="Osma" typeface="Ebrima"/>
+        <a:font script="Phag" typeface="Phagspa"/>
+        <a:font script="Syrn" typeface="Estrangelo Edessa"/>
+        <a:font script="Syrj" typeface="Estrangelo Edessa"/>
+        <a:font script="Syre" typeface="Estrangelo Edessa"/>
+        <a:font script="Sora" typeface="Nirmala UI"/>
+        <a:font script="Tale" typeface="Microsoft Tai Le"/>
+        <a:font script="Talu" typeface="Microsoft New Tai Lue"/>
+        <a:font script="Tfng" typeface="Ebrima"/>
+      </a:minorFont>
+    </a:fontScheme>
+    <a:fmtScheme name="Office">
+      <a:fillStyleLst>
+        <a:solidFill>
+          <a:schemeClr val="phClr"/>
+        </a:solidFill>
+        <a:gradFill rotWithShape="1">
+          <a:gsLst>
+            <a:gs pos="0">
+              <a:schemeClr val="phClr">
+                <a:lumMod val="110000"/>
+                <a:satMod val="105000"/>
+                <a:tint val="67000"/>
+              </a:schemeClr>
+            </a:gs>
+            <a:gs pos="50000">
+              <a:schemeClr val="phClr">
+                <a:lumMod val="105000"/>
+                <a:satMod val="103000"/>
+                <a:tint val="73000"/>
+              </a:schemeClr>
+            </a:gs>
+            <a:gs pos="100000">
+              <a:schemeClr val="phClr">
+                <a:lumMod val="105000"/>
+                <a:satMod val="109000"/>
+                <a:tint val="81000"/>
+              </a:schemeClr>
+            </a:gs>
+          </a:gsLst>
+          <a:lin ang="5400000" scaled="0"/>
+        </a:gradFill>
+        <a:gradFill rotWithShape="1">
+          <a:gsLst>
+            <a:gs pos="0">
+              <a:schemeClr val="phClr">
+                <a:satMod val="103000"/>
+                <a:lumMod val="102000"/>
+                <a:tint val="94000"/>
+              </a:schemeClr>
+            </a:gs>
+            <a:gs pos="50000">
+              <a:schemeClr val="phClr">
+                <a:satMod val="110000"/>
+                <a:lumMod val="100000"/>
+                <a:shade val="100000"/>
+              </a:schemeClr>
+            </a:gs>
+            <a:gs pos="100000">
+              <a:schemeClr val="phClr">
+                <a:lumMod val="99000"/>
+                <a:satMod val="120000"/>
+                <a:shade val="78000"/>
+              </a:schemeClr>
+            </a:gs>
+          </a:gsLst>
+          <a:lin ang="5400000" scaled="0"/>
+        </a:gradFill>
+      </a:fillStyleLst>
+      <a:lnStyleLst>
+        <a:ln w="6350" cap="flat" cmpd="sng" algn="ctr">
+          <a:solidFill>
+            <a:schemeClr val="phClr"/>
+          </a:solidFill>
+          <a:prstDash val="solid"/>
+          <a:miter lim="800000"/>
+        </a:ln>
+        <a:ln w="12700" cap="flat" cmpd="sng" algn="ctr">
+          <a:solidFill>
+            <a:schemeClr val="phClr"/>
+          </a:solidFill>
+          <a:prstDash val="solid"/>
+          <a:miter lim="800000"/>
+        </a:ln>
+        <a:ln w="19050" cap="flat" cmpd="sng" algn="ctr">
+          <a:solidFill>
+            <a:schemeClr val="phClr"/>
+          </a:solidFill>
+          <a:prstDash val="solid"/>
+          <a:miter lim="800000"/>
+        </a:ln>
+      </a:lnStyleLst>
+      <a:effectStyleLst>
+        <a:effectStyle>
+          <a:effectLst/>
+        </a:effectStyle>
+        <a:effectStyle>
+          <a:effectLst/>
+        </a:effectStyle>
+        <a:effectStyle>
+          <a:effectLst>
+            <a:outerShdw blurRad="57150" dist="19050" dir="5400000" algn="ctr" rotWithShape="0">
+              <a:srgbClr val="000000">
+                <a:alpha val="63000"/>
+              </a:srgbClr>
+            </a:outerShdw>
+          </a:effectLst>
+        </a:effectStyle>
+      </a:effectStyleLst>
+      <a:bgFillStyleLst>
+        <a:solidFill>
+          <a:schemeClr val="phClr"/>
+        </a:solidFill>
+        <a:solidFill>
+          <a:schemeClr val="phClr">
+            <a:tint val="95000"/>
+            <a:satMod val="170000"/>
+          </a:schemeClr>
+        </a:solidFill>
+        <a:gradFill rotWithShape="1">
+          <a:gsLst>
+            <a:gs pos="0">
+              <a:schemeClr val="phClr">
+                <a:tint val="93000"/>
+                <a:satMod val="150000"/>
+                <a:shade val="98000"/>
+                <a:lumMod val="102000"/>
+              </a:schemeClr>
+            </a:gs>
+            <a:gs pos="50000">
+              <a:schemeClr val="phClr">
+                <a:tint val="98000"/>
+                <a:satMod val="130000"/>
+                <a:shade val="90000"/>
+                <a:lumMod val="103000"/>
+              </a:schemeClr>
+            </a:gs>
+            <a:gs pos="100000">
+              <a:schemeClr val="phClr">
+                <a:shade val="63000"/>
+                <a:satMod val="120000"/>
+              </a:schemeClr>
+            </a:gs>
+          </a:gsLst>
+          <a:lin ang="5400000" scaled="0"/>
+        </a:gradFill>
+      </a:bgFillStyleLst>
+    </a:fmtScheme>
+  </a:themeElements>
+  <a:objectDefaults/>
+  <a:extraClrSchemeLst/>
+  <a:extLst>
+    <a:ext uri="{05A4C25C-085E-4340-85A3-A5531E510DB2}">
+      <thm15:themeFamily xmlns:thm15="http://schemas.microsoft.com/office/thememl/2012/main" name="Office Theme" id="{62F939B6-93AF-4DB8-9C6B-D6C7DFDC589F}" vid="{4A3C46E8-61CC-4603-A589-7422A47A8E4A}"/>
+    </a:ext>
+  </a:extLst>
+</a:theme>
 </file>
--- a/final stuff/Anusonti-Inthra_presentation_final.pptx
+++ b/final stuff/Anusonti-Inthra_presentation_final.pptx
@@ -5,7 +5,7 @@
     <p:sldMasterId id="2147483648" r:id="rId1"/>
   </p:sldMasterIdLst>
   <p:notesMasterIdLst>
-    <p:notesMasterId r:id="rId7"/>
+    <p:notesMasterId r:id="rId9"/>
   </p:notesMasterIdLst>
   <p:sldIdLst>
     <p:sldId id="256" r:id="rId2"/>
@@ -13,6 +13,8 @@
     <p:sldId id="258" r:id="rId4"/>
     <p:sldId id="259" r:id="rId5"/>
     <p:sldId id="260" r:id="rId6"/>
+    <p:sldId id="261" r:id="rId7"/>
+    <p:sldId id="262" r:id="rId8"/>
   </p:sldIdLst>
   <p:sldSz cx="12192000" cy="6858000"/>
   <p:notesSz cx="6858000" cy="9144000"/>
@@ -548,6 +550,18 @@
               <a:t>-mainly, plays a role in creating and shaping convection currents -&gt; plate tectonics and magnetosphere -&gt; surface conditions suitable to support life</a:t>
             </a:r>
           </a:p>
+          <a:p>
+            <a:r>
+              <a:rPr lang="en-US" dirty="0"/>
+              <a:t>-accurate data about its phase transitions can help verify and add to theoretical models of these exoplanets</a:t>
+            </a:r>
+          </a:p>
+          <a:p>
+            <a:r>
+              <a:rPr lang="en-US" dirty="0"/>
+              <a:t>-an important phase transition that is predicted is incongruent melting</a:t>
+            </a:r>
+          </a:p>
         </p:txBody>
       </p:sp>
       <p:sp>
@@ -632,6 +646,12 @@
           <a:p>
             <a:r>
               <a:rPr lang="en-US" dirty="0"/>
+              <a:t>-studying the phase transitions of forsterite </a:t>
+            </a:r>
+          </a:p>
+          <a:p>
+            <a:r>
+              <a:rPr lang="en-US" dirty="0"/>
               <a:t>-this is just one of the possible ways forsterite will behave</a:t>
             </a:r>
           </a:p>
@@ -885,11 +905,19 @@
           <a:p>
             <a:r>
               <a:rPr lang="en-US" dirty="0"/>
-              <a:t>-window is used for VISAR shock wave velocity measurements (</a:t>
-            </a:r>
-            <a:r>
-              <a:rPr lang="en-US"/>
-              <a:t>not applicable now)</a:t>
+              <a:t>-window is used for VISAR shock wave velocity measurements (not applicable now)</a:t>
+            </a:r>
+          </a:p>
+          <a:p>
+            <a:r>
+              <a:rPr lang="en-US" dirty="0"/>
+              <a:t>-demonstrate with the picture</a:t>
+            </a:r>
+          </a:p>
+          <a:p>
+            <a:r>
+              <a:rPr lang="en-US" dirty="0"/>
+              <a:t>-the ablator evaporates, expanding backwards to create a shock wave to reach the high pressure and temperatures</a:t>
             </a:r>
           </a:p>
         </p:txBody>
@@ -921,6 +949,247 @@
     <p:extLst>
       <p:ext uri="{BB962C8B-B14F-4D97-AF65-F5344CB8AC3E}">
         <p14:creationId xmlns:p14="http://schemas.microsoft.com/office/powerpoint/2010/main" val="1860151401"/>
+      </p:ext>
+    </p:extLst>
+  </p:cSld>
+  <p:clrMapOvr>
+    <a:masterClrMapping/>
+  </p:clrMapOvr>
+</p:notes>
+</file>
+
+<file path=ppt/notesSlides/notesSlide5.xml><?xml version="1.0" encoding="utf-8"?>
+<p:notes xmlns:a="http://schemas.openxmlformats.org/drawingml/2006/main" xmlns:r="http://schemas.openxmlformats.org/officeDocument/2006/relationships" xmlns:p="http://schemas.openxmlformats.org/presentationml/2006/main">
+  <p:cSld>
+    <p:spTree>
+      <p:nvGrpSpPr>
+        <p:cNvPr id="1" name=""/>
+        <p:cNvGrpSpPr/>
+        <p:nvPr/>
+      </p:nvGrpSpPr>
+      <p:grpSpPr>
+        <a:xfrm>
+          <a:off x="0" y="0"/>
+          <a:ext cx="0" cy="0"/>
+          <a:chOff x="0" y="0"/>
+          <a:chExt cx="0" cy="0"/>
+        </a:xfrm>
+      </p:grpSpPr>
+      <p:sp>
+        <p:nvSpPr>
+          <p:cNvPr id="2" name="Slide Image Placeholder 1"/>
+          <p:cNvSpPr>
+            <a:spLocks noGrp="1" noRot="1" noChangeAspect="1"/>
+          </p:cNvSpPr>
+          <p:nvPr>
+            <p:ph type="sldImg"/>
+          </p:nvPr>
+        </p:nvSpPr>
+        <p:spPr/>
+      </p:sp>
+      <p:sp>
+        <p:nvSpPr>
+          <p:cNvPr id="3" name="Notes Placeholder 2"/>
+          <p:cNvSpPr>
+            <a:spLocks noGrp="1"/>
+          </p:cNvSpPr>
+          <p:nvPr>
+            <p:ph type="body" idx="1"/>
+          </p:nvPr>
+        </p:nvSpPr>
+        <p:spPr/>
+        <p:txBody>
+          <a:bodyPr/>
+          <a:lstStyle/>
+          <a:p>
+            <a:r>
+              <a:rPr lang="en-US" dirty="0"/>
+              <a:t>-PXRDIP stands for … and is used for determining the structure and composition of the sample</a:t>
+            </a:r>
+          </a:p>
+          <a:p>
+            <a:r>
+              <a:rPr lang="en-US" dirty="0"/>
+              <a:t>-a laser generated Copper plasma sends x-rays through the sample after the shock wave </a:t>
+            </a:r>
+          </a:p>
+          <a:p>
+            <a:r>
+              <a:rPr lang="en-US" dirty="0"/>
+              <a:t>-these x-rays are diffracted according to structure and picked up by the box of image plates</a:t>
+            </a:r>
+          </a:p>
+          <a:p>
+            <a:r>
+              <a:rPr lang="en-US" dirty="0"/>
+              <a:t>-the sample is held in a tantalum pinhole, which focuses the x-rays on the sample and helps align the data</a:t>
+            </a:r>
+          </a:p>
+          <a:p>
+            <a:r>
+              <a:rPr lang="en-US" dirty="0"/>
+              <a:t>-x-rays from tantalum diffracting can also be seen on the PXRDIP, and as the way ta diffracts is well known and measured, the data can be calibrated properly</a:t>
+            </a:r>
+          </a:p>
+        </p:txBody>
+      </p:sp>
+      <p:sp>
+        <p:nvSpPr>
+          <p:cNvPr id="4" name="Slide Number Placeholder 3"/>
+          <p:cNvSpPr>
+            <a:spLocks noGrp="1"/>
+          </p:cNvSpPr>
+          <p:nvPr>
+            <p:ph type="sldNum" sz="quarter" idx="5"/>
+          </p:nvPr>
+        </p:nvSpPr>
+        <p:spPr/>
+        <p:txBody>
+          <a:bodyPr/>
+          <a:lstStyle/>
+          <a:p>
+            <a:fld id="{E9707EC5-6543-3442-B968-D720AB3FDD9F}" type="slidenum">
+              <a:rPr lang="en-US" smtClean="0"/>
+              <a:t>6</a:t>
+            </a:fld>
+            <a:endParaRPr lang="en-US"/>
+          </a:p>
+        </p:txBody>
+      </p:sp>
+    </p:spTree>
+    <p:extLst>
+      <p:ext uri="{BB962C8B-B14F-4D97-AF65-F5344CB8AC3E}">
+        <p14:creationId xmlns:p14="http://schemas.microsoft.com/office/powerpoint/2010/main" val="53393319"/>
+      </p:ext>
+    </p:extLst>
+  </p:cSld>
+  <p:clrMapOvr>
+    <a:masterClrMapping/>
+  </p:clrMapOvr>
+</p:notes>
+</file>
+
+<file path=ppt/notesSlides/notesSlide6.xml><?xml version="1.0" encoding="utf-8"?>
+<p:notes xmlns:a="http://schemas.openxmlformats.org/drawingml/2006/main" xmlns:r="http://schemas.openxmlformats.org/officeDocument/2006/relationships" xmlns:p="http://schemas.openxmlformats.org/presentationml/2006/main">
+  <p:cSld>
+    <p:spTree>
+      <p:nvGrpSpPr>
+        <p:cNvPr id="1" name=""/>
+        <p:cNvGrpSpPr/>
+        <p:nvPr/>
+      </p:nvGrpSpPr>
+      <p:grpSpPr>
+        <a:xfrm>
+          <a:off x="0" y="0"/>
+          <a:ext cx="0" cy="0"/>
+          <a:chOff x="0" y="0"/>
+          <a:chExt cx="0" cy="0"/>
+        </a:xfrm>
+      </p:grpSpPr>
+      <p:sp>
+        <p:nvSpPr>
+          <p:cNvPr id="2" name="Slide Image Placeholder 1"/>
+          <p:cNvSpPr>
+            <a:spLocks noGrp="1" noRot="1" noChangeAspect="1"/>
+          </p:cNvSpPr>
+          <p:nvPr>
+            <p:ph type="sldImg"/>
+          </p:nvPr>
+        </p:nvSpPr>
+        <p:spPr/>
+      </p:sp>
+      <p:sp>
+        <p:nvSpPr>
+          <p:cNvPr id="3" name="Notes Placeholder 2"/>
+          <p:cNvSpPr>
+            <a:spLocks noGrp="1"/>
+          </p:cNvSpPr>
+          <p:nvPr>
+            <p:ph type="body" idx="1"/>
+          </p:nvPr>
+        </p:nvSpPr>
+        <p:spPr/>
+        <p:txBody>
+          <a:bodyPr/>
+          <a:lstStyle/>
+          <a:p>
+            <a:r>
+              <a:rPr lang="en-US" dirty="0"/>
+              <a:t>-the raw data is </a:t>
+            </a:r>
+            <a:r>
+              <a:rPr lang="en-US" dirty="0" err="1"/>
+              <a:t>dewarped</a:t>
+            </a:r>
+            <a:r>
+              <a:rPr lang="en-US" dirty="0"/>
+              <a:t> to a polar view</a:t>
+            </a:r>
+          </a:p>
+          <a:p>
+            <a:r>
+              <a:rPr lang="en-US" dirty="0"/>
+              <a:t>-after it is aligned with the flags it is integrated up and down to find the diffraction peaks, which is where the x-rays are concentrated due to the crystal structure</a:t>
+            </a:r>
+          </a:p>
+          <a:p>
+            <a:r>
+              <a:rPr lang="en-US" dirty="0"/>
+              <a:t>-because we used a powder they show up in these lines</a:t>
+            </a:r>
+          </a:p>
+          <a:p>
+            <a:r>
+              <a:rPr lang="en-US" dirty="0"/>
+              <a:t>-after the 2-theta location is found it’s translated to d-spacing</a:t>
+            </a:r>
+          </a:p>
+          <a:p>
+            <a:r>
+              <a:rPr lang="en-US" dirty="0"/>
+              <a:t>-once you have the diffraction peaks you must identify what material it belongs to</a:t>
+            </a:r>
+          </a:p>
+          <a:p>
+            <a:r>
+              <a:rPr lang="en-US" dirty="0"/>
+              <a:t>-each material has its own unique d-spacing and diffraction pattern, crystal diffraction and d-spacing plots were used to </a:t>
+            </a:r>
+            <a:r>
+              <a:rPr lang="en-US"/>
+              <a:t>identify each peak</a:t>
+            </a:r>
+            <a:endParaRPr lang="en-US" dirty="0"/>
+          </a:p>
+        </p:txBody>
+      </p:sp>
+      <p:sp>
+        <p:nvSpPr>
+          <p:cNvPr id="4" name="Slide Number Placeholder 3"/>
+          <p:cNvSpPr>
+            <a:spLocks noGrp="1"/>
+          </p:cNvSpPr>
+          <p:nvPr>
+            <p:ph type="sldNum" sz="quarter" idx="5"/>
+          </p:nvPr>
+        </p:nvSpPr>
+        <p:spPr/>
+        <p:txBody>
+          <a:bodyPr/>
+          <a:lstStyle/>
+          <a:p>
+            <a:fld id="{E9707EC5-6543-3442-B968-D720AB3FDD9F}" type="slidenum">
+              <a:rPr lang="en-US" smtClean="0"/>
+              <a:t>7</a:t>
+            </a:fld>
+            <a:endParaRPr lang="en-US"/>
+          </a:p>
+        </p:txBody>
+      </p:sp>
+    </p:spTree>
+    <p:extLst>
+      <p:ext uri="{BB962C8B-B14F-4D97-AF65-F5344CB8AC3E}">
+        <p14:creationId xmlns:p14="http://schemas.microsoft.com/office/powerpoint/2010/main" val="1203725931"/>
       </p:ext>
     </p:extLst>
   </p:cSld>
@@ -4162,12 +4431,14 @@
         </p:nvSpPr>
         <p:spPr/>
         <p:txBody>
-          <a:bodyPr/>
-          <a:lstStyle/>
-          <a:p>
-            <a:r>
-              <a:rPr lang="en-US" dirty="0"/>
-              <a:t>Structure of forsterite at extreme conditions</a:t>
+          <a:bodyPr>
+            <a:normAutofit fontScale="90000"/>
+          </a:bodyPr>
+          <a:lstStyle/>
+          <a:p>
+            <a:r>
+              <a:rPr lang="en-US" dirty="0"/>
+              <a:t>Structure of forsterite at extreme conditions using laser shock compression</a:t>
             </a:r>
           </a:p>
         </p:txBody>
@@ -4193,7 +4464,13 @@
           <a:bodyPr/>
           <a:lstStyle/>
           <a:p>
-            <a:endParaRPr lang="en-US"/>
+            <a:r>
+              <a:rPr lang="en-US" dirty="0"/>
+              <a:t>Nara Anusonti-Inthra</a:t>
+            </a:r>
+          </a:p>
+          <a:p>
+            <a:endParaRPr lang="en-US" dirty="0"/>
           </a:p>
         </p:txBody>
       </p:sp>
@@ -4757,7 +5034,10 @@
           <a:bodyPr/>
           <a:lstStyle/>
           <a:p>
-            <a:endParaRPr lang="en-US"/>
+            <a:r>
+              <a:rPr lang="en-US" dirty="0"/>
+              <a:t>Laser shock compression</a:t>
+            </a:r>
           </a:p>
         </p:txBody>
       </p:sp>
@@ -4808,6 +5088,17 @@
             </a:r>
           </a:p>
           <a:p>
+            <a:r>
+              <a:rPr lang="en-US" sz="2800" dirty="0">
+                <a:cs typeface="Times New Roman" panose="02020603050405020304" pitchFamily="18" charset="0"/>
+              </a:rPr>
+              <a:t>As the laser hits the sample, the ablator expands backwards, creating a uniform shock wave through the sample</a:t>
+            </a:r>
+            <a:endParaRPr lang="en-US" dirty="0">
+              <a:effectLst/>
+            </a:endParaRPr>
+          </a:p>
+          <a:p>
             <a:endParaRPr lang="en-US" dirty="0"/>
           </a:p>
         </p:txBody>
@@ -4816,6 +5107,202 @@
     <p:extLst>
       <p:ext uri="{BB962C8B-B14F-4D97-AF65-F5344CB8AC3E}">
         <p14:creationId xmlns:p14="http://schemas.microsoft.com/office/powerpoint/2010/main" val="1633006281"/>
+      </p:ext>
+    </p:extLst>
+  </p:cSld>
+  <p:clrMapOvr>
+    <a:masterClrMapping/>
+  </p:clrMapOvr>
+</p:sld>
+</file>
+
+<file path=ppt/slides/slide6.xml><?xml version="1.0" encoding="utf-8"?>
+<p:sld xmlns:a="http://schemas.openxmlformats.org/drawingml/2006/main" xmlns:r="http://schemas.openxmlformats.org/officeDocument/2006/relationships" xmlns:p="http://schemas.openxmlformats.org/presentationml/2006/main">
+  <p:cSld>
+    <p:spTree>
+      <p:nvGrpSpPr>
+        <p:cNvPr id="1" name=""/>
+        <p:cNvGrpSpPr/>
+        <p:nvPr/>
+      </p:nvGrpSpPr>
+      <p:grpSpPr>
+        <a:xfrm>
+          <a:off x="0" y="0"/>
+          <a:ext cx="0" cy="0"/>
+          <a:chOff x="0" y="0"/>
+          <a:chExt cx="0" cy="0"/>
+        </a:xfrm>
+      </p:grpSpPr>
+      <p:sp>
+        <p:nvSpPr>
+          <p:cNvPr id="2" name="Title 1">
+            <a:extLst>
+              <a:ext uri="{FF2B5EF4-FFF2-40B4-BE49-F238E27FC236}">
+                <a16:creationId xmlns:a16="http://schemas.microsoft.com/office/drawing/2014/main" id="{3BC9EFF8-F9CE-A348-A77D-4C18C9F7489E}"/>
+              </a:ext>
+            </a:extLst>
+          </p:cNvPr>
+          <p:cNvSpPr>
+            <a:spLocks noGrp="1"/>
+          </p:cNvSpPr>
+          <p:nvPr>
+            <p:ph type="title"/>
+          </p:nvPr>
+        </p:nvSpPr>
+        <p:spPr/>
+        <p:txBody>
+          <a:bodyPr/>
+          <a:lstStyle/>
+          <a:p>
+            <a:r>
+              <a:rPr lang="en-US" dirty="0"/>
+              <a:t>PXRDIP</a:t>
+            </a:r>
+          </a:p>
+        </p:txBody>
+      </p:sp>
+      <p:sp>
+        <p:nvSpPr>
+          <p:cNvPr id="3" name="Content Placeholder 2">
+            <a:extLst>
+              <a:ext uri="{FF2B5EF4-FFF2-40B4-BE49-F238E27FC236}">
+                <a16:creationId xmlns:a16="http://schemas.microsoft.com/office/drawing/2014/main" id="{CE8C225A-2653-5D40-81A1-D9F950613D8B}"/>
+              </a:ext>
+            </a:extLst>
+          </p:cNvPr>
+          <p:cNvSpPr>
+            <a:spLocks noGrp="1"/>
+          </p:cNvSpPr>
+          <p:nvPr>
+            <p:ph idx="1"/>
+          </p:nvPr>
+        </p:nvSpPr>
+        <p:spPr/>
+        <p:txBody>
+          <a:bodyPr/>
+          <a:lstStyle/>
+          <a:p>
+            <a:r>
+              <a:rPr lang="en-US" dirty="0"/>
+              <a:t>Powder X-ray Diffraction Image Plates</a:t>
+            </a:r>
+          </a:p>
+          <a:p>
+            <a:r>
+              <a:rPr lang="en-US" dirty="0"/>
+              <a:t>X-rays are diffracted according to the structure of the sample, and then picked up by the image plates</a:t>
+            </a:r>
+          </a:p>
+          <a:p>
+            <a:r>
+              <a:rPr lang="en-US" dirty="0"/>
+              <a:t>The sample is held by a Ta (tantalum) pinhole, which is used for proper data alignment</a:t>
+            </a:r>
+          </a:p>
+        </p:txBody>
+      </p:sp>
+    </p:spTree>
+    <p:extLst>
+      <p:ext uri="{BB962C8B-B14F-4D97-AF65-F5344CB8AC3E}">
+        <p14:creationId xmlns:p14="http://schemas.microsoft.com/office/powerpoint/2010/main" val="1616358595"/>
+      </p:ext>
+    </p:extLst>
+  </p:cSld>
+  <p:clrMapOvr>
+    <a:masterClrMapping/>
+  </p:clrMapOvr>
+</p:sld>
+</file>
+
+<file path=ppt/slides/slide7.xml><?xml version="1.0" encoding="utf-8"?>
+<p:sld xmlns:a="http://schemas.openxmlformats.org/drawingml/2006/main" xmlns:r="http://schemas.openxmlformats.org/officeDocument/2006/relationships" xmlns:p="http://schemas.openxmlformats.org/presentationml/2006/main">
+  <p:cSld>
+    <p:spTree>
+      <p:nvGrpSpPr>
+        <p:cNvPr id="1" name=""/>
+        <p:cNvGrpSpPr/>
+        <p:nvPr/>
+      </p:nvGrpSpPr>
+      <p:grpSpPr>
+        <a:xfrm>
+          <a:off x="0" y="0"/>
+          <a:ext cx="0" cy="0"/>
+          <a:chOff x="0" y="0"/>
+          <a:chExt cx="0" cy="0"/>
+        </a:xfrm>
+      </p:grpSpPr>
+      <p:sp>
+        <p:nvSpPr>
+          <p:cNvPr id="2" name="Title 1">
+            <a:extLst>
+              <a:ext uri="{FF2B5EF4-FFF2-40B4-BE49-F238E27FC236}">
+                <a16:creationId xmlns:a16="http://schemas.microsoft.com/office/drawing/2014/main" id="{05F5BE65-54CC-A046-B2C0-647F9F81F182}"/>
+              </a:ext>
+            </a:extLst>
+          </p:cNvPr>
+          <p:cNvSpPr>
+            <a:spLocks noGrp="1"/>
+          </p:cNvSpPr>
+          <p:nvPr>
+            <p:ph type="title"/>
+          </p:nvPr>
+        </p:nvSpPr>
+        <p:spPr/>
+        <p:txBody>
+          <a:bodyPr/>
+          <a:lstStyle/>
+          <a:p>
+            <a:r>
+              <a:rPr lang="en-US" dirty="0"/>
+              <a:t>PXRDIP analysis</a:t>
+            </a:r>
+          </a:p>
+        </p:txBody>
+      </p:sp>
+      <p:sp>
+        <p:nvSpPr>
+          <p:cNvPr id="3" name="Content Placeholder 2">
+            <a:extLst>
+              <a:ext uri="{FF2B5EF4-FFF2-40B4-BE49-F238E27FC236}">
+                <a16:creationId xmlns:a16="http://schemas.microsoft.com/office/drawing/2014/main" id="{5F07FDC2-4AB1-F945-8BBE-6D1FEE1D1725}"/>
+              </a:ext>
+            </a:extLst>
+          </p:cNvPr>
+          <p:cNvSpPr>
+            <a:spLocks noGrp="1"/>
+          </p:cNvSpPr>
+          <p:nvPr>
+            <p:ph idx="1"/>
+          </p:nvPr>
+        </p:nvSpPr>
+        <p:spPr/>
+        <p:txBody>
+          <a:bodyPr/>
+          <a:lstStyle/>
+          <a:p>
+            <a:r>
+              <a:rPr lang="en-US" dirty="0"/>
+              <a:t>After integration along the azimuthal angle, diffraction peaks are found</a:t>
+            </a:r>
+          </a:p>
+          <a:p>
+            <a:r>
+              <a:rPr lang="en-US" dirty="0"/>
+              <a:t>Diffraction peaks are translated into d-spacing (inter-atomic spacing in the lattice)</a:t>
+            </a:r>
+          </a:p>
+          <a:p>
+            <a:r>
+              <a:rPr lang="en-US" dirty="0"/>
+              <a:t>Each material has a characteristic d-spacing and diffraction pattern</a:t>
+            </a:r>
+          </a:p>
+        </p:txBody>
+      </p:sp>
+    </p:spTree>
+    <p:extLst>
+      <p:ext uri="{BB962C8B-B14F-4D97-AF65-F5344CB8AC3E}">
+        <p14:creationId xmlns:p14="http://schemas.microsoft.com/office/powerpoint/2010/main" val="1833184574"/>
       </p:ext>
     </p:extLst>
   </p:cSld>
